--- a/BuildingBlocksJune.pptx
+++ b/BuildingBlocksJune.pptx
@@ -282,7 +282,8 @@
 <file path=ppt/revisionInfo.xml><?xml version="1.0" encoding="utf-8"?>
 <p1510:revInfo xmlns:a="http://schemas.openxmlformats.org/drawingml/2006/main" xmlns:r="http://schemas.openxmlformats.org/officeDocument/2006/relationships" xmlns:p1510="http://schemas.microsoft.com/office/powerpoint/2015/10/main">
   <p1510:revLst>
-    <p1510:client id="{326C5648-1C08-414E-B27D-50A79DEA6F2A}" v="993" dt="2025-06-13T15:36:30.492"/>
+    <p1510:client id="{326C5648-1C08-414E-B27D-50A79DEA6F2A}" v="994" dt="2025-06-13T15:53:48.199"/>
+    <p1510:client id="{F43991E0-831B-1CE6-A328-A57439C1A097}" v="50" dt="2025-06-13T15:53:55.733"/>
   </p1510:revLst>
 </p1510:revInfo>
 </file>
@@ -292,7 +293,7 @@
   <pc:docChgLst>
     <pc:chgData name="YEO JUN LONG JEREMY" userId="f8a92137-2993-44ba-840e-011051542f20" providerId="ADAL" clId="{326C5648-1C08-414E-B27D-50A79DEA6F2A}"/>
     <pc:docChg chg="undo redo custSel addSld delSld modSld sldOrd delMainMaster">
-      <pc:chgData name="YEO JUN LONG JEREMY" userId="f8a92137-2993-44ba-840e-011051542f20" providerId="ADAL" clId="{326C5648-1C08-414E-B27D-50A79DEA6F2A}" dt="2025-06-13T15:37:44.654" v="7147" actId="47"/>
+      <pc:chgData name="YEO JUN LONG JEREMY" userId="f8a92137-2993-44ba-840e-011051542f20" providerId="ADAL" clId="{326C5648-1C08-414E-B27D-50A79DEA6F2A}" dt="2025-06-13T15:53:48.199" v="7148" actId="20577"/>
       <pc:docMkLst>
         <pc:docMk/>
       </pc:docMkLst>
@@ -1589,13 +1590,13 @@
         </pc:spChg>
       </pc:sldChg>
       <pc:sldChg chg="addSp delSp modSp add mod ord">
-        <pc:chgData name="YEO JUN LONG JEREMY" userId="f8a92137-2993-44ba-840e-011051542f20" providerId="ADAL" clId="{326C5648-1C08-414E-B27D-50A79DEA6F2A}" dt="2025-06-13T14:04:27.922" v="6262" actId="1076"/>
+        <pc:chgData name="YEO JUN LONG JEREMY" userId="f8a92137-2993-44ba-840e-011051542f20" providerId="ADAL" clId="{326C5648-1C08-414E-B27D-50A79DEA6F2A}" dt="2025-06-13T15:53:48.199" v="7148" actId="20577"/>
         <pc:sldMkLst>
           <pc:docMk/>
           <pc:sldMk cId="2628094664" sldId="355"/>
         </pc:sldMkLst>
         <pc:spChg chg="mod">
-          <ac:chgData name="YEO JUN LONG JEREMY" userId="f8a92137-2993-44ba-840e-011051542f20" providerId="ADAL" clId="{326C5648-1C08-414E-B27D-50A79DEA6F2A}" dt="2025-06-13T14:04:25.240" v="6261" actId="1076"/>
+          <ac:chgData name="YEO JUN LONG JEREMY" userId="f8a92137-2993-44ba-840e-011051542f20" providerId="ADAL" clId="{326C5648-1C08-414E-B27D-50A79DEA6F2A}" dt="2025-06-13T15:53:48.199" v="7148" actId="20577"/>
           <ac:spMkLst>
             <pc:docMk/>
             <pc:sldMk cId="2628094664" sldId="355"/>
@@ -2302,6 +2303,30 @@
           </pc:sldLayoutMkLst>
         </pc:sldLayoutChg>
       </pc:sldMasterChg>
+    </pc:docChg>
+  </pc:docChgLst>
+  <pc:docChgLst>
+    <pc:chgData name="CALLUM FU YU" userId="S::2301585b@student.tp.edu.sg::ee5c75b9-0fa6-44e1-a5ca-39ac1c02e6a3" providerId="AD" clId="Web-{F43991E0-831B-1CE6-A328-A57439C1A097}"/>
+    <pc:docChg chg="modSld">
+      <pc:chgData name="CALLUM FU YU" userId="S::2301585b@student.tp.edu.sg::ee5c75b9-0fa6-44e1-a5ca-39ac1c02e6a3" providerId="AD" clId="Web-{F43991E0-831B-1CE6-A328-A57439C1A097}" dt="2025-06-13T15:53:55.717" v="24" actId="20577"/>
+      <pc:docMkLst>
+        <pc:docMk/>
+      </pc:docMkLst>
+      <pc:sldChg chg="modSp">
+        <pc:chgData name="CALLUM FU YU" userId="S::2301585b@student.tp.edu.sg::ee5c75b9-0fa6-44e1-a5ca-39ac1c02e6a3" providerId="AD" clId="Web-{F43991E0-831B-1CE6-A328-A57439C1A097}" dt="2025-06-13T15:53:55.717" v="24" actId="20577"/>
+        <pc:sldMkLst>
+          <pc:docMk/>
+          <pc:sldMk cId="2628094664" sldId="355"/>
+        </pc:sldMkLst>
+        <pc:spChg chg="mod">
+          <ac:chgData name="CALLUM FU YU" userId="S::2301585b@student.tp.edu.sg::ee5c75b9-0fa6-44e1-a5ca-39ac1c02e6a3" providerId="AD" clId="Web-{F43991E0-831B-1CE6-A328-A57439C1A097}" dt="2025-06-13T15:53:55.717" v="24" actId="20577"/>
+          <ac:spMkLst>
+            <pc:docMk/>
+            <pc:sldMk cId="2628094664" sldId="355"/>
+            <ac:spMk id="2" creationId="{DDDF9C1D-D1AB-F2F6-51D9-E3B25116F9BD}"/>
+          </ac:spMkLst>
+        </pc:spChg>
+      </pc:sldChg>
     </pc:docChg>
   </pc:docChgLst>
 </pc:chgInfo>
@@ -11937,7 +11962,7 @@
           <a:noFill/>
         </p:spPr>
         <p:txBody>
-          <a:bodyPr wrap="square" rtlCol="0">
+          <a:bodyPr wrap="square" lIns="91440" tIns="45720" rIns="91440" bIns="45720" rtlCol="0" anchor="t">
             <a:spAutoFit/>
           </a:bodyPr>
           <a:lstStyle/>
@@ -11949,7 +11974,7 @@
             </a:pPr>
             <a:r>
               <a:rPr lang="en-SG" sz="1250" b="1" dirty="0">
-                <a:latin typeface="Montserrat" panose="00000500000000000000" pitchFamily="2" charset="0"/>
+                <a:latin typeface="Montserrat"/>
               </a:rPr>
               <a:t>How was solution created:</a:t>
             </a:r>
@@ -11964,57 +11989,75 @@
             </a:pPr>
             <a:r>
               <a:rPr lang="en-US" sz="1250" dirty="0">
-                <a:latin typeface="Montserrat" panose="00000500000000000000" pitchFamily="2" charset="0"/>
+                <a:latin typeface="Montserrat"/>
               </a:rPr>
               <a:t>We used </a:t>
             </a:r>
             <a:r>
+              <a:rPr lang="en-US" sz="1250" b="1" dirty="0" err="1">
+                <a:latin typeface="Montserrat"/>
+              </a:rPr>
+              <a:t>Streamlit</a:t>
+            </a:r>
+            <a:r>
+              <a:rPr lang="en-US" sz="1250" dirty="0">
+                <a:latin typeface="Montserrat"/>
+              </a:rPr>
+              <a:t> to host an interface combining a </a:t>
+            </a:r>
+            <a:r>
               <a:rPr lang="en-US" sz="1250" b="1" dirty="0">
-                <a:latin typeface="Montserrat" panose="00000500000000000000" pitchFamily="2" charset="0"/>
-              </a:rPr>
-              <a:t>Streamlit</a:t>
+                <a:latin typeface="Montserrat"/>
+              </a:rPr>
+              <a:t>YOLO model</a:t>
             </a:r>
             <a:r>
               <a:rPr lang="en-US" sz="1250" dirty="0">
-                <a:latin typeface="Montserrat" panose="00000500000000000000" pitchFamily="2" charset="0"/>
-              </a:rPr>
-              <a:t> to host an interface combining a </a:t>
+                <a:latin typeface="Montserrat"/>
+              </a:rPr>
+              <a:t> for medication label detection, the </a:t>
             </a:r>
             <a:r>
               <a:rPr lang="en-US" sz="1250" b="1" dirty="0">
-                <a:latin typeface="Montserrat" panose="00000500000000000000" pitchFamily="2" charset="0"/>
-              </a:rPr>
-              <a:t>YOLO model</a:t>
+                <a:latin typeface="Montserrat"/>
+              </a:rPr>
+              <a:t>Gemini API</a:t>
             </a:r>
             <a:r>
               <a:rPr lang="en-US" sz="1250" dirty="0">
-                <a:latin typeface="Montserrat" panose="00000500000000000000" pitchFamily="2" charset="0"/>
-              </a:rPr>
-              <a:t> for medication label detection, the </a:t>
+                <a:latin typeface="Montserrat"/>
+              </a:rPr>
+              <a:t> for instruction interpretation, and </a:t>
             </a:r>
             <a:r>
               <a:rPr lang="en-US" sz="1250" b="1" dirty="0">
-                <a:latin typeface="Montserrat" panose="00000500000000000000" pitchFamily="2" charset="0"/>
-              </a:rPr>
-              <a:t>Gemini API</a:t>
+                <a:latin typeface="Montserrat"/>
+              </a:rPr>
+              <a:t>Tesseract OCR</a:t>
             </a:r>
             <a:r>
               <a:rPr lang="en-US" sz="1250" dirty="0">
-                <a:latin typeface="Montserrat" panose="00000500000000000000" pitchFamily="2" charset="0"/>
-              </a:rPr>
-              <a:t> for instruction interpretation, and </a:t>
+                <a:latin typeface="Montserrat"/>
+              </a:rPr>
+              <a:t> to extract and translate key medication instructions into multiple languages </a:t>
+            </a:r>
+            <a:r>
+              <a:rPr lang="en-US" sz="1250">
+                <a:latin typeface="Montserrat"/>
+              </a:rPr>
+              <a:t>using </a:t>
+            </a:r>
+            <a:r>
+              <a:rPr lang="en-US" sz="1250" b="1">
+                <a:latin typeface="Montserrat"/>
+              </a:rPr>
+              <a:t>Google Translator</a:t>
             </a:r>
             <a:r>
               <a:rPr lang="en-US" sz="1250" b="1" dirty="0">
-                <a:latin typeface="Montserrat" panose="00000500000000000000" pitchFamily="2" charset="0"/>
-              </a:rPr>
-              <a:t>Tesseract OCR</a:t>
-            </a:r>
-            <a:r>
-              <a:rPr lang="en-US" sz="1250" dirty="0">
-                <a:latin typeface="Montserrat" panose="00000500000000000000" pitchFamily="2" charset="0"/>
-              </a:rPr>
-              <a:t> to extract and translate key medication instructions into multiple languages.</a:t>
+                <a:latin typeface="Montserrat"/>
+              </a:rPr>
+              <a:t>.</a:t>
             </a:r>
           </a:p>
           <a:p>
@@ -12025,7 +12068,7 @@
             </a:pPr>
             <a:r>
               <a:rPr lang="en-US" sz="1250" b="1" dirty="0">
-                <a:latin typeface="Montserrat" panose="00000500000000000000" pitchFamily="2" charset="0"/>
+                <a:latin typeface="Montserrat"/>
               </a:rPr>
               <a:t>Solution Features:</a:t>
             </a:r>
@@ -12040,31 +12083,31 @@
             </a:pPr>
             <a:r>
               <a:rPr lang="en-US" sz="1250" b="1" dirty="0">
-                <a:latin typeface="Montserrat" panose="00000500000000000000" pitchFamily="2" charset="0"/>
+                <a:latin typeface="Montserrat"/>
               </a:rPr>
               <a:t>Chatbot</a:t>
             </a:r>
             <a:r>
               <a:rPr lang="en-US" sz="1250" dirty="0">
-                <a:latin typeface="Montserrat" panose="00000500000000000000" pitchFamily="2" charset="0"/>
+                <a:latin typeface="Montserrat"/>
               </a:rPr>
               <a:t> that explains </a:t>
             </a:r>
             <a:r>
               <a:rPr lang="en-US" sz="1250" b="1" dirty="0">
-                <a:latin typeface="Montserrat" panose="00000500000000000000" pitchFamily="2" charset="0"/>
+                <a:latin typeface="Montserrat"/>
               </a:rPr>
               <a:t>medical instructions </a:t>
             </a:r>
             <a:r>
               <a:rPr lang="en-US" sz="1250" dirty="0">
-                <a:latin typeface="Montserrat" panose="00000500000000000000" pitchFamily="2" charset="0"/>
+                <a:latin typeface="Montserrat"/>
               </a:rPr>
               <a:t>with </a:t>
             </a:r>
             <a:r>
               <a:rPr lang="en-US" sz="1250" b="1" dirty="0">
-                <a:latin typeface="Montserrat" panose="00000500000000000000" pitchFamily="2" charset="0"/>
+                <a:latin typeface="Montserrat"/>
               </a:rPr>
               <a:t>inbuilt translator.</a:t>
             </a:r>
@@ -12079,61 +12122,61 @@
             </a:pPr>
             <a:r>
               <a:rPr lang="en-US" sz="1250" dirty="0" err="1">
-                <a:latin typeface="Montserrat" panose="00000500000000000000" pitchFamily="2" charset="0"/>
+                <a:latin typeface="Montserrat"/>
               </a:rPr>
               <a:t>MediMatch</a:t>
             </a:r>
             <a:r>
               <a:rPr lang="en-US" sz="1250" dirty="0">
-                <a:latin typeface="Montserrat" panose="00000500000000000000" pitchFamily="2" charset="0"/>
+                <a:latin typeface="Montserrat"/>
               </a:rPr>
               <a:t> Model </a:t>
             </a:r>
             <a:r>
               <a:rPr lang="en-US" sz="1250" b="1" dirty="0">
-                <a:latin typeface="Montserrat" panose="00000500000000000000" pitchFamily="2" charset="0"/>
+                <a:latin typeface="Montserrat"/>
               </a:rPr>
               <a:t>extracts</a:t>
             </a:r>
             <a:r>
               <a:rPr lang="en-US" sz="1250" dirty="0">
-                <a:latin typeface="Montserrat" panose="00000500000000000000" pitchFamily="2" charset="0"/>
+                <a:latin typeface="Montserrat"/>
               </a:rPr>
               <a:t> medication </a:t>
             </a:r>
             <a:r>
               <a:rPr lang="en-US" sz="1250" b="1" dirty="0">
-                <a:latin typeface="Montserrat" panose="00000500000000000000" pitchFamily="2" charset="0"/>
+                <a:latin typeface="Montserrat"/>
               </a:rPr>
               <a:t>info</a:t>
             </a:r>
             <a:r>
               <a:rPr lang="en-US" sz="1250" dirty="0">
-                <a:latin typeface="Montserrat" panose="00000500000000000000" pitchFamily="2" charset="0"/>
+                <a:latin typeface="Montserrat"/>
               </a:rPr>
               <a:t> from medication </a:t>
             </a:r>
             <a:r>
               <a:rPr lang="en-US" sz="1250" b="1" dirty="0">
-                <a:latin typeface="Montserrat" panose="00000500000000000000" pitchFamily="2" charset="0"/>
+                <a:latin typeface="Montserrat"/>
               </a:rPr>
               <a:t>label</a:t>
             </a:r>
             <a:r>
               <a:rPr lang="en-US" sz="1250" dirty="0">
-                <a:latin typeface="Montserrat" panose="00000500000000000000" pitchFamily="2" charset="0"/>
+                <a:latin typeface="Montserrat"/>
               </a:rPr>
               <a:t> and adds to a </a:t>
             </a:r>
             <a:r>
               <a:rPr lang="en-US" sz="1250" b="1" dirty="0">
-                <a:latin typeface="Montserrat" panose="00000500000000000000" pitchFamily="2" charset="0"/>
+                <a:latin typeface="Montserrat"/>
               </a:rPr>
               <a:t>database</a:t>
             </a:r>
             <a:r>
               <a:rPr lang="en-US" sz="1250" dirty="0">
-                <a:latin typeface="Montserrat" panose="00000500000000000000" pitchFamily="2" charset="0"/>
+                <a:latin typeface="Montserrat"/>
               </a:rPr>
               <a:t> for user to check.</a:t>
             </a:r>
@@ -12148,31 +12191,31 @@
             </a:pPr>
             <a:r>
               <a:rPr lang="en-US" sz="1250" dirty="0">
-                <a:latin typeface="Montserrat" panose="00000500000000000000" pitchFamily="2" charset="0"/>
+                <a:latin typeface="Montserrat"/>
               </a:rPr>
               <a:t>Allows </a:t>
             </a:r>
             <a:r>
               <a:rPr lang="en-US" sz="1250" b="1" dirty="0">
-                <a:latin typeface="Montserrat" panose="00000500000000000000" pitchFamily="2" charset="0"/>
+                <a:latin typeface="Montserrat"/>
               </a:rPr>
               <a:t>user</a:t>
             </a:r>
             <a:r>
               <a:rPr lang="en-US" sz="1250" dirty="0">
-                <a:latin typeface="Montserrat" panose="00000500000000000000" pitchFamily="2" charset="0"/>
+                <a:latin typeface="Montserrat"/>
               </a:rPr>
               <a:t> to check their </a:t>
             </a:r>
             <a:r>
               <a:rPr lang="en-US" sz="1250" b="1" dirty="0">
-                <a:latin typeface="Montserrat" panose="00000500000000000000" pitchFamily="2" charset="0"/>
+                <a:latin typeface="Montserrat"/>
               </a:rPr>
               <a:t>medication</a:t>
             </a:r>
             <a:r>
               <a:rPr lang="en-US" sz="1250" dirty="0">
-                <a:latin typeface="Montserrat" panose="00000500000000000000" pitchFamily="2" charset="0"/>
+                <a:latin typeface="Montserrat"/>
               </a:rPr>
               <a:t> history</a:t>
             </a:r>
